--- a/Lovelace2/LaRealiteVirtuelle.pptx
+++ b/Lovelace2/LaRealiteVirtuelle.pptx
@@ -265,7 +265,7 @@
           <a:p>
             <a:fld id="{48A87A34-81AB-432B-8DAE-1953F412C126}" type="datetimeFigureOut">
               <a:rPr lang="en-US" dirty="0"/>
-              <a:t>6/4/2018</a:t>
+              <a:t>6/5/2018</a:t>
             </a:fld>
             <a:endParaRPr lang="en-US" dirty="0"/>
           </a:p>
@@ -471,7 +471,7 @@
           <a:p>
             <a:fld id="{48A87A34-81AB-432B-8DAE-1953F412C126}" type="datetimeFigureOut">
               <a:rPr lang="en-US" dirty="0"/>
-              <a:t>6/4/2018</a:t>
+              <a:t>6/5/2018</a:t>
             </a:fld>
             <a:endParaRPr lang="en-US" dirty="0"/>
           </a:p>
@@ -681,7 +681,7 @@
           <a:p>
             <a:fld id="{48A87A34-81AB-432B-8DAE-1953F412C126}" type="datetimeFigureOut">
               <a:rPr lang="en-US" dirty="0"/>
-              <a:t>6/4/2018</a:t>
+              <a:t>6/5/2018</a:t>
             </a:fld>
             <a:endParaRPr lang="en-US" dirty="0"/>
           </a:p>
@@ -877,7 +877,7 @@
           <a:p>
             <a:fld id="{48A87A34-81AB-432B-8DAE-1953F412C126}" type="datetimeFigureOut">
               <a:rPr lang="en-US" dirty="0"/>
-              <a:t>6/4/2018</a:t>
+              <a:t>6/5/2018</a:t>
             </a:fld>
             <a:endParaRPr lang="en-US" dirty="0"/>
           </a:p>
@@ -1151,7 +1151,7 @@
           <a:p>
             <a:fld id="{48A87A34-81AB-432B-8DAE-1953F412C126}" type="datetimeFigureOut">
               <a:rPr lang="en-US" dirty="0"/>
-              <a:t>6/4/2018</a:t>
+              <a:t>6/5/2018</a:t>
             </a:fld>
             <a:endParaRPr lang="en-US" dirty="0"/>
           </a:p>
@@ -1414,7 +1414,7 @@
           <a:p>
             <a:fld id="{48A87A34-81AB-432B-8DAE-1953F412C126}" type="datetimeFigureOut">
               <a:rPr lang="en-US" dirty="0"/>
-              <a:t>6/4/2018</a:t>
+              <a:t>6/5/2018</a:t>
             </a:fld>
             <a:endParaRPr lang="en-US" dirty="0"/>
           </a:p>
@@ -1825,7 +1825,7 @@
           <a:p>
             <a:fld id="{48A87A34-81AB-432B-8DAE-1953F412C126}" type="datetimeFigureOut">
               <a:rPr lang="en-US" dirty="0"/>
-              <a:t>6/4/2018</a:t>
+              <a:t>6/5/2018</a:t>
             </a:fld>
             <a:endParaRPr lang="en-US" dirty="0"/>
           </a:p>
@@ -1969,7 +1969,7 @@
           <a:p>
             <a:fld id="{48A87A34-81AB-432B-8DAE-1953F412C126}" type="datetimeFigureOut">
               <a:rPr lang="en-US" dirty="0"/>
-              <a:t>6/4/2018</a:t>
+              <a:t>6/5/2018</a:t>
             </a:fld>
             <a:endParaRPr lang="en-US" dirty="0"/>
           </a:p>
@@ -2090,7 +2090,7 @@
           <a:p>
             <a:fld id="{48A87A34-81AB-432B-8DAE-1953F412C126}" type="datetimeFigureOut">
               <a:rPr lang="en-US" dirty="0"/>
-              <a:t>6/4/2018</a:t>
+              <a:t>6/5/2018</a:t>
             </a:fld>
             <a:endParaRPr lang="en-US" dirty="0"/>
           </a:p>
@@ -2336,7 +2336,7 @@
           <a:p>
             <a:fld id="{48A87A34-81AB-432B-8DAE-1953F412C126}" type="datetimeFigureOut">
               <a:rPr lang="en-US" dirty="0"/>
-              <a:t>6/4/2018</a:t>
+              <a:t>6/5/2018</a:t>
             </a:fld>
             <a:endParaRPr lang="en-US" dirty="0"/>
           </a:p>
@@ -2777,7 +2777,7 @@
             <a:fld id="{48A87A34-81AB-432B-8DAE-1953F412C126}" type="datetimeFigureOut">
               <a:rPr lang="en-US" dirty="0"/>
               <a:pPr/>
-              <a:t>6/4/2018</a:t>
+              <a:t>6/5/2018</a:t>
             </a:fld>
             <a:endParaRPr lang="en-US" dirty="0"/>
           </a:p>
@@ -3099,7 +3099,7 @@
             <a:fld id="{48A87A34-81AB-432B-8DAE-1953F412C126}" type="datetimeFigureOut">
               <a:rPr lang="en-US" dirty="0"/>
               <a:pPr/>
-              <a:t>6/4/2018</a:t>
+              <a:t>6/5/2018</a:t>
             </a:fld>
             <a:endParaRPr lang="en-US" dirty="0"/>
           </a:p>
@@ -4492,7 +4492,15 @@
           <a:p>
             <a:r>
               <a:rPr lang="fr-FR" dirty="0"/>
-              <a:t>technologie informatique qui simule la présence physique d'un utilisateur dans un environnement artificiellement généré par des logiciels. La réalité virtuelle crée un environnement avec lequel l'utilisateur peut interagir.  Elle reproduit donc artificiellement une expérience sensorielle, qui peut inclure la vue,  l'ouïe, l'odorat (visuelle, sonore ou haptique). Equipé de gants ou de vêtements spécialisés on peut ressentir le toucher (recul de l arme à feu, balles dans le corps, …)</a:t>
+              <a:t>technologie informatique qui simule la présence physique d'un utilisateur dans un environnement artificiellement généré par des logiciels. La réalité virtuelle crée un environnement avec lequel l'utilisateur peut interagir.  Elle reproduit donc artificiellement une expérience sensorielle, qui peut inclure la vue,  l'ouïe, l'odorat (visuelle, sonore olfactive ou encore haptique). Equipé de gants ou de vêtements spécialisés on peut ressentir le toucher (recul </a:t>
+            </a:r>
+            <a:r>
+              <a:rPr lang="fr-FR"/>
+              <a:t>de l’arme </a:t>
+            </a:r>
+            <a:r>
+              <a:rPr lang="fr-FR" dirty="0"/>
+              <a:t>à feu, balles dans le corps, …)</a:t>
             </a:r>
           </a:p>
         </p:txBody>
